--- a/Probleemstelling/Presentatie_Probleemstelling.pptx
+++ b/Probleemstelling/Presentatie_Probleemstelling.pptx
@@ -131,6 +131,7 @@
 <file path=ppt/revisionInfo.xml><?xml version="1.0" encoding="utf-8"?>
 <p1510:revInfo xmlns:a="http://schemas.openxmlformats.org/drawingml/2006/main" xmlns:r="http://schemas.openxmlformats.org/officeDocument/2006/relationships" xmlns:p1510="http://schemas.microsoft.com/office/powerpoint/2015/10/main">
   <p1510:revLst>
+    <p1510:client id="{09E914AF-02C7-463F-830F-0C62B1718BF0}" v="240" dt="2020-12-04T16:07:11.047"/>
     <p1510:client id="{14612E7A-E026-496A-A3FE-98835CA17E47}" v="1192" dt="2020-11-30T16:56:44.626"/>
     <p1510:client id="{2EC96E49-1E78-B15E-E32F-2C5068B4603A}" v="470" dt="2020-11-05T20:50:52.305"/>
     <p1510:client id="{5C0F0EEF-8DC1-31EA-4C99-180E30B12BEA}" v="1006" dt="2020-12-03T21:01:13.075"/>
@@ -228,7 +229,7 @@
           <a:p>
             <a:fld id="{8F591CCF-F6FD-734B-854A-5BC033593B1E}" type="datetimeFigureOut">
               <a:rPr lang="nl-NL" smtClean="0"/>
-              <a:t>3-12-2020</a:t>
+              <a:t>4-12-2020</a:t>
             </a:fld>
             <a:endParaRPr lang="nl-NL"/>
           </a:p>
@@ -393,7 +394,7 @@
           <a:p>
             <a:fld id="{23C66214-DB21-4647-B5DA-0D17CA592867}" type="datetimeFigureOut">
               <a:rPr lang="nl-NL" smtClean="0"/>
-              <a:t>3-12-2020</a:t>
+              <a:t>4-12-2020</a:t>
             </a:fld>
             <a:endParaRPr lang="nl-NL"/>
           </a:p>
@@ -1382,7 +1383,7 @@
           <a:p>
             <a:fld id="{AC3C5412-F5E6-4727-B44A-B2B5A84DB14A}" type="datetime1">
               <a:rPr lang="nl-BE" smtClean="0"/>
-              <a:t>3/12/2020</a:t>
+              <a:t>4/12/2020</a:t>
             </a:fld>
             <a:endParaRPr lang="nl-NL"/>
           </a:p>
@@ -1665,7 +1666,7 @@
           <a:p>
             <a:fld id="{E76EA1B4-471F-4916-AE0F-2FD9B1494989}" type="datetime1">
               <a:rPr lang="nl-BE" smtClean="0"/>
-              <a:t>3/12/2020</a:t>
+              <a:t>4/12/2020</a:t>
             </a:fld>
             <a:endParaRPr lang="nl-NL"/>
           </a:p>
@@ -1995,7 +1996,7 @@
           <a:p>
             <a:fld id="{0FDEE988-C9D1-4B41-906C-78E5525EC368}" type="datetime1">
               <a:rPr lang="nl-BE" smtClean="0"/>
-              <a:t>3/12/2020</a:t>
+              <a:t>4/12/2020</a:t>
             </a:fld>
             <a:endParaRPr lang="nl-NL"/>
           </a:p>
@@ -2314,7 +2315,7 @@
           <a:p>
             <a:fld id="{A4C630F9-6046-48DD-8107-A903A5265F2A}" type="datetime1">
               <a:rPr lang="nl-BE" smtClean="0"/>
-              <a:t>3/12/2020</a:t>
+              <a:t>4/12/2020</a:t>
             </a:fld>
             <a:endParaRPr lang="nl-NL" dirty="0"/>
           </a:p>
@@ -2635,7 +2636,7 @@
           <a:p>
             <a:fld id="{AB142135-2AF6-41F5-9559-B5C94669121A}" type="datetime1">
               <a:rPr lang="nl-BE" smtClean="0"/>
-              <a:t>3/12/2020</a:t>
+              <a:t>4/12/2020</a:t>
             </a:fld>
             <a:endParaRPr lang="nl-NL" dirty="0"/>
           </a:p>
@@ -2777,7 +2778,7 @@
           <a:p>
             <a:fld id="{D7817D78-F253-471B-BF0C-B3EA74829726}" type="datetime1">
               <a:rPr lang="nl-BE" smtClean="0"/>
-              <a:t>3/12/2020</a:t>
+              <a:t>4/12/2020</a:t>
             </a:fld>
             <a:endParaRPr lang="nl-NL"/>
           </a:p>
@@ -3261,7 +3262,7 @@
           <a:p>
             <a:fld id="{94374391-CFDB-4833-B504-DEFBE92512D1}" type="datetime1">
               <a:rPr lang="nl-BE" smtClean="0"/>
-              <a:t>3/12/2020</a:t>
+              <a:t>4/12/2020</a:t>
             </a:fld>
             <a:endParaRPr lang="nl-NL" dirty="0"/>
           </a:p>
@@ -3382,7 +3383,7 @@
           <a:p>
             <a:fld id="{D41C31F0-2B75-48AE-AEBC-9657DD1B0AB7}" type="datetime1">
               <a:rPr lang="nl-BE" smtClean="0"/>
-              <a:t>3/12/2020</a:t>
+              <a:t>4/12/2020</a:t>
             </a:fld>
             <a:endParaRPr lang="nl-NL"/>
           </a:p>
@@ -3503,7 +3504,7 @@
           <a:p>
             <a:fld id="{53F19495-32E9-486F-877E-DF8DCF8228E7}" type="datetime1">
               <a:rPr lang="nl-BE" smtClean="0"/>
-              <a:t>3/12/2020</a:t>
+              <a:t>4/12/2020</a:t>
             </a:fld>
             <a:endParaRPr lang="nl-NL"/>
           </a:p>
@@ -3685,7 +3686,7 @@
           <a:p>
             <a:fld id="{804A002D-00A0-4BF6-93D8-8D999BC8C748}" type="datetime1">
               <a:rPr lang="nl-BE" smtClean="0"/>
-              <a:t>3/12/2020</a:t>
+              <a:t>4/12/2020</a:t>
             </a:fld>
             <a:endParaRPr lang="nl-NL" dirty="0"/>
           </a:p>
@@ -3969,7 +3970,7 @@
           <a:p>
             <a:fld id="{75FF7ED8-F103-41E3-857E-CDC769C97DAE}" type="datetime1">
               <a:rPr lang="nl-BE" smtClean="0"/>
-              <a:t>3/12/2020</a:t>
+              <a:t>4/12/2020</a:t>
             </a:fld>
             <a:endParaRPr lang="nl-NL" dirty="0"/>
           </a:p>
@@ -4610,7 +4611,7 @@
           <a:p>
             <a:fld id="{9F542F44-42ED-4221-90FD-ACE0C331DBA2}" type="datetime1">
               <a:rPr lang="nl-BE" smtClean="0"/>
-              <a:t>3/12/2020</a:t>
+              <a:t>4/12/2020</a:t>
             </a:fld>
             <a:endParaRPr lang="nl-NL" dirty="0"/>
           </a:p>
@@ -5143,7 +5144,12 @@
             <p:ph idx="1"/>
           </p:nvPr>
         </p:nvSpPr>
-        <p:spPr/>
+        <p:spPr>
+          <a:xfrm>
+            <a:off x="576000" y="1656000"/>
+            <a:ext cx="10992354" cy="4464000"/>
+          </a:xfrm>
+        </p:spPr>
         <p:txBody>
           <a:bodyPr vert="horz" lIns="91440" tIns="45720" rIns="91440" bIns="45720" rtlCol="0" anchor="t">
             <a:normAutofit/>
@@ -5169,28 +5175,7 @@
                 <a:latin typeface="Arial"/>
                 <a:cs typeface="Arial"/>
               </a:rPr>
-              <a:t> </a:t>
-            </a:r>
-            <a:r>
-              <a:rPr lang="en-US">
-                <a:latin typeface="Arial"/>
-                <a:cs typeface="Arial"/>
-              </a:rPr>
-              <a:t>op train data </a:t>
-            </a:r>
-            <a:r>
-              <a:rPr lang="en-US" dirty="0" err="1">
-                <a:latin typeface="Arial"/>
-                <a:cs typeface="Arial"/>
-              </a:rPr>
-              <a:t>geeft</a:t>
-            </a:r>
-            <a:r>
-              <a:rPr lang="en-US" dirty="0">
-                <a:latin typeface="Arial"/>
-                <a:cs typeface="Arial"/>
-              </a:rPr>
-              <a:t> </a:t>
+              <a:t> op training data ⇒ </a:t>
             </a:r>
             <a:r>
               <a:rPr lang="en-US" dirty="0" err="1">
@@ -5206,11 +5191,18 @@
           </a:p>
           <a:p>
             <a:r>
+              <a:rPr lang="en-US" dirty="0">
+                <a:latin typeface="Arial"/>
+                <a:cs typeface="Arial"/>
+              </a:rPr>
+              <a:t>De </a:t>
+            </a:r>
+            <a:r>
               <a:rPr lang="en-US" dirty="0" err="1">
                 <a:latin typeface="Arial"/>
                 <a:cs typeface="Arial"/>
               </a:rPr>
-              <a:t>Kostfunctie</a:t>
+              <a:t>kostfunctie</a:t>
             </a:r>
             <a:r>
               <a:rPr lang="en-US" dirty="0">
@@ -5220,21 +5212,35 @@
               <a:t> </a:t>
             </a:r>
             <a:r>
-              <a:rPr lang="en-US" err="1">
-                <a:latin typeface="Arial"/>
-                <a:cs typeface="Arial"/>
-              </a:rPr>
-              <a:t>verkleinen</a:t>
+              <a:rPr lang="en-US" dirty="0" err="1">
+                <a:latin typeface="Arial"/>
+                <a:cs typeface="Arial"/>
+              </a:rPr>
+              <a:t>wordt</a:t>
             </a:r>
             <a:r>
               <a:rPr lang="en-US" dirty="0">
                 <a:latin typeface="Arial"/>
                 <a:cs typeface="Arial"/>
               </a:rPr>
-              <a:t> (</a:t>
-            </a:r>
-            <a:r>
-              <a:rPr lang="en-US" err="1">
+              <a:t> </a:t>
+            </a:r>
+            <a:r>
+              <a:rPr lang="en-US" dirty="0" err="1">
+                <a:latin typeface="Arial"/>
+                <a:cs typeface="Arial"/>
+              </a:rPr>
+              <a:t>verkleind</a:t>
+            </a:r>
+            <a:r>
+              <a:rPr lang="en-US" dirty="0">
+                <a:latin typeface="Arial"/>
+                <a:cs typeface="Arial"/>
+              </a:rPr>
+              <a:t> door het </a:t>
+            </a:r>
+            <a:r>
+              <a:rPr lang="en-US" dirty="0" err="1">
                 <a:latin typeface="Arial"/>
                 <a:cs typeface="Arial"/>
               </a:rPr>
@@ -5248,7 +5254,61 @@
               <a:t> </a:t>
             </a:r>
             <a:r>
-              <a:rPr lang="en-US" err="1">
+              <a:rPr lang="en-US" dirty="0" err="1">
+                <a:latin typeface="Arial"/>
+                <a:cs typeface="Arial"/>
+              </a:rPr>
+              <a:t>te</a:t>
+            </a:r>
+            <a:r>
+              <a:rPr lang="en-US" dirty="0">
+                <a:latin typeface="Arial"/>
+                <a:cs typeface="Arial"/>
+              </a:rPr>
+              <a:t> </a:t>
+            </a:r>
+            <a:r>
+              <a:rPr lang="en-US" dirty="0" err="1">
+                <a:latin typeface="Arial"/>
+                <a:cs typeface="Arial"/>
+              </a:rPr>
+              <a:t>trainen</a:t>
+            </a:r>
+            <a:r>
+              <a:rPr lang="en-US" dirty="0">
+                <a:latin typeface="Arial"/>
+                <a:cs typeface="Arial"/>
+              </a:rPr>
+              <a:t>  </a:t>
+            </a:r>
+          </a:p>
+          <a:p>
+            <a:pPr marL="0" indent="0">
+              <a:buNone/>
+            </a:pPr>
+            <a:r>
+              <a:rPr lang="en-US" dirty="0">
+                <a:latin typeface="Arial"/>
+                <a:cs typeface="Arial"/>
+              </a:rPr>
+              <a:t>   (⇒ </a:t>
+            </a:r>
+            <a:r>
+              <a:rPr lang="en-US" dirty="0" err="1">
+                <a:latin typeface="Arial"/>
+                <a:cs typeface="Arial"/>
+              </a:rPr>
+              <a:t>netwerk</a:t>
+            </a:r>
+            <a:r>
+              <a:rPr lang="en-US" dirty="0">
+                <a:latin typeface="Arial"/>
+                <a:cs typeface="Arial"/>
+              </a:rPr>
+              <a:t> </a:t>
+            </a:r>
+            <a:r>
+              <a:rPr lang="en-US" dirty="0" err="1">
                 <a:latin typeface="Arial"/>
                 <a:cs typeface="Arial"/>
               </a:rPr>
@@ -5262,22 +5322,21 @@
               <a:t> </a:t>
             </a:r>
             <a:r>
-              <a:rPr lang="en-US" err="1">
+              <a:rPr lang="en-US" dirty="0" err="1">
                 <a:latin typeface="Arial"/>
                 <a:cs typeface="Arial"/>
               </a:rPr>
               <a:t>beter</a:t>
             </a:r>
             <a:r>
-              <a:rPr lang="en-US">
-                <a:latin typeface="Arial"/>
-                <a:cs typeface="Arial"/>
-              </a:rPr>
-              <a:t> op train data)</a:t>
+              <a:rPr lang="en-US" dirty="0">
+                <a:latin typeface="Arial"/>
+                <a:cs typeface="Arial"/>
+              </a:rPr>
+              <a:t> op training data)</a:t>
             </a:r>
             <a:endParaRPr lang="en-US" dirty="0">
-              <a:latin typeface="Arial"/>
-              <a:cs typeface="Arial"/>
+              <a:cs typeface="Arial" charset="0"/>
             </a:endParaRPr>
           </a:p>
           <a:p>
@@ -5286,7 +5345,7 @@
                 <a:latin typeface="Arial"/>
                 <a:cs typeface="Arial"/>
               </a:rPr>
-              <a:t>SGD om deep neural network </a:t>
+              <a:t>Algoritmes om deep neural networks </a:t>
             </a:r>
             <a:r>
               <a:rPr lang="en-US" dirty="0" err="1">
@@ -5309,21 +5368,24 @@
               </a:rPr>
               <a:t>trainen</a:t>
             </a:r>
-            <a:endParaRPr lang="en-US" dirty="0">
-              <a:latin typeface="Arial"/>
-              <a:cs typeface="Arial"/>
-            </a:endParaRPr>
-          </a:p>
-          <a:p>
             <a:r>
               <a:rPr lang="en-US" dirty="0">
                 <a:latin typeface="Arial"/>
                 <a:cs typeface="Arial"/>
               </a:rPr>
+              <a:t>: SGD of MH</a:t>
+            </a:r>
+          </a:p>
+          <a:p>
+            <a:r>
+              <a:rPr lang="en-US" dirty="0">
+                <a:latin typeface="Arial"/>
+                <a:cs typeface="Arial"/>
+              </a:rPr>
               <a:t>Veel </a:t>
             </a:r>
             <a:r>
-              <a:rPr lang="en-US" err="1">
+              <a:rPr lang="en-US" dirty="0" err="1">
                 <a:latin typeface="Arial"/>
                 <a:cs typeface="Arial"/>
               </a:rPr>
@@ -5337,7 +5399,7 @@
               <a:t> </a:t>
             </a:r>
             <a:r>
-              <a:rPr lang="en-US" err="1">
+              <a:rPr lang="en-US" dirty="0" err="1">
                 <a:latin typeface="Arial"/>
                 <a:cs typeface="Arial"/>
               </a:rPr>
@@ -5351,28 +5413,28 @@
               <a:t> het </a:t>
             </a:r>
             <a:r>
-              <a:rPr lang="en-US" err="1">
+              <a:rPr lang="en-US" dirty="0" err="1">
                 <a:latin typeface="Arial"/>
                 <a:cs typeface="Arial"/>
               </a:rPr>
               <a:t>verloop</a:t>
             </a:r>
             <a:r>
-              <a:rPr lang="en-US">
+              <a:rPr lang="en-US" dirty="0">
                 <a:latin typeface="Arial"/>
                 <a:cs typeface="Arial"/>
               </a:rPr>
               <a:t> van het </a:t>
             </a:r>
             <a:r>
-              <a:rPr lang="en-US" err="1">
+              <a:rPr lang="en-US" dirty="0" err="1">
                 <a:latin typeface="Arial"/>
                 <a:cs typeface="Arial"/>
               </a:rPr>
               <a:t>algoritme</a:t>
             </a:r>
             <a:r>
-              <a:rPr lang="en-US">
+              <a:rPr lang="en-US" dirty="0">
                 <a:latin typeface="Arial"/>
                 <a:cs typeface="Arial"/>
               </a:rPr>
@@ -5395,6 +5457,20 @@
                 <a:latin typeface="Arial"/>
                 <a:cs typeface="Arial"/>
               </a:rPr>
+              <a:t> is </a:t>
+            </a:r>
+            <a:r>
+              <a:rPr lang="en-US" dirty="0" err="1">
+                <a:latin typeface="Arial"/>
+                <a:cs typeface="Arial"/>
+              </a:rPr>
+              <a:t>goede</a:t>
+            </a:r>
+            <a:r>
+              <a:rPr lang="en-US" dirty="0">
+                <a:latin typeface="Arial"/>
+                <a:cs typeface="Arial"/>
+              </a:rPr>
               <a:t> </a:t>
             </a:r>
             <a:r>
@@ -5402,49 +5478,21 @@
                 <a:latin typeface="Arial"/>
                 <a:cs typeface="Arial"/>
               </a:rPr>
-              <a:t>ook</a:t>
+              <a:t>generalisatie</a:t>
             </a:r>
             <a:r>
               <a:rPr lang="en-US" dirty="0">
                 <a:latin typeface="Arial"/>
                 <a:cs typeface="Arial"/>
               </a:rPr>
-              <a:t> </a:t>
+              <a:t> het </a:t>
             </a:r>
             <a:r>
               <a:rPr lang="en-US" dirty="0" err="1">
                 <a:latin typeface="Arial"/>
                 <a:cs typeface="Arial"/>
               </a:rPr>
-              <a:t>goede</a:t>
-            </a:r>
-            <a:r>
-              <a:rPr lang="en-US" dirty="0">
-                <a:latin typeface="Arial"/>
-                <a:cs typeface="Arial"/>
-              </a:rPr>
-              <a:t> </a:t>
-            </a:r>
-            <a:r>
-              <a:rPr lang="en-US" err="1">
-                <a:latin typeface="Arial"/>
-                <a:cs typeface="Arial"/>
-              </a:rPr>
-              <a:t>generalisatie</a:t>
-            </a:r>
-            <a:r>
-              <a:rPr lang="en-US">
-                <a:latin typeface="Arial"/>
-                <a:cs typeface="Arial"/>
-              </a:rPr>
-              <a:t> </a:t>
-            </a:r>
-            <a:r>
-              <a:rPr lang="en-US" dirty="0" err="1">
-                <a:latin typeface="Arial"/>
-                <a:cs typeface="Arial"/>
-              </a:rPr>
-              <a:t>gewenst</a:t>
+              <a:t>doel</a:t>
             </a:r>
             <a:endParaRPr lang="en-US" dirty="0" err="1">
               <a:cs typeface="Arial"/>
@@ -5614,8 +5662,8 @@
         </p:blipFill>
         <p:spPr>
           <a:xfrm>
-            <a:off x="9223332" y="532318"/>
-            <a:ext cx="2743200" cy="2181692"/>
+            <a:off x="9223332" y="398968"/>
+            <a:ext cx="2743200" cy="2319804"/>
           </a:xfrm>
           <a:prstGeom prst="rect">
             <a:avLst/>
@@ -5644,8 +5692,8 @@
         </p:blipFill>
         <p:spPr>
           <a:xfrm>
-            <a:off x="6334843" y="535345"/>
-            <a:ext cx="2743200" cy="2185161"/>
+            <a:off x="6334843" y="398576"/>
+            <a:ext cx="2743200" cy="2321930"/>
           </a:xfrm>
           <a:prstGeom prst="rect">
             <a:avLst/>
@@ -5972,7 +6020,7 @@
         <p:spPr>
           <a:xfrm>
             <a:off x="562902" y="3241747"/>
-            <a:ext cx="11054115" cy="3548011"/>
+            <a:ext cx="10966192" cy="3548011"/>
           </a:xfrm>
           <a:prstGeom prst="rect">
             <a:avLst/>
@@ -6257,8 +6305,8 @@
         </p:nvSpPr>
         <p:spPr>
           <a:xfrm>
-            <a:off x="9667169" y="807964"/>
-            <a:ext cx="1990593" cy="1537532"/>
+            <a:off x="9667169" y="698427"/>
+            <a:ext cx="1990593" cy="1647069"/>
           </a:xfrm>
           <a:prstGeom prst="ellipse">
             <a:avLst/>
@@ -6311,8 +6359,8 @@
         </p:nvSpPr>
         <p:spPr>
           <a:xfrm>
-            <a:off x="6736008" y="805142"/>
-            <a:ext cx="1990593" cy="1565754"/>
+            <a:off x="6759820" y="700367"/>
+            <a:ext cx="1966781" cy="1641954"/>
           </a:xfrm>
           <a:prstGeom prst="ellipse">
             <a:avLst/>
@@ -6441,8 +6489,8 @@
         </p:nvSpPr>
         <p:spPr>
           <a:xfrm>
-            <a:off x="1301859" y="4569417"/>
-            <a:ext cx="10221129" cy="1107996"/>
+            <a:off x="823168" y="4559647"/>
+            <a:ext cx="11188281" cy="1107996"/>
           </a:xfrm>
           <a:prstGeom prst="rect">
             <a:avLst/>
@@ -6458,7 +6506,6 @@
           </a:bodyPr>
           <a:lstStyle/>
           <a:p>
-            <a:pPr algn="ctr"/>
             <a:r>
               <a:rPr lang="en-US" sz="2400" dirty="0"/>
               <a:t>Hoe </a:t>
@@ -6477,15 +6524,29 @@
             </a:r>
             <a:r>
               <a:rPr lang="en-US" sz="2400" dirty="0"/>
-              <a:t> in SGD </a:t>
-            </a:r>
-            <a:r>
-              <a:rPr lang="en-US" sz="2400" dirty="0" err="1"/>
+              <a:t> in het </a:t>
+            </a:r>
+            <a:r>
+              <a:rPr lang="en-US" sz="2400" dirty="0" err="1">
+                <a:ea typeface="+mn-lt"/>
+                <a:cs typeface="+mn-lt"/>
+              </a:rPr>
+              <a:t>trainingsalgoritme</a:t>
+            </a:r>
+            <a:r>
+              <a:rPr lang="en-US" sz="2400" dirty="0"/>
+              <a:t> </a:t>
+            </a:r>
+            <a:r>
+              <a:rPr lang="en-US" sz="2400" dirty="0" err="1">
+                <a:ea typeface="+mn-lt"/>
+                <a:cs typeface="+mn-lt"/>
+              </a:rPr>
               <a:t>metaparameters</a:t>
             </a:r>
             <a:r>
               <a:rPr lang="en-US" sz="2400" dirty="0"/>
-              <a:t> de </a:t>
+              <a:t> de </a:t>
             </a:r>
             <a:r>
               <a:rPr lang="en-US" sz="2400" dirty="0" err="1"/>
@@ -6517,36 +6578,58 @@
             </a:r>
             <a:r>
               <a:rPr lang="en-US" sz="2400" dirty="0"/>
-              <a:t> van </a:t>
-            </a:r>
-            <a:r>
-              <a:rPr lang="en-US" sz="2400" dirty="0" err="1"/>
+              <a:t> </a:t>
+            </a:r>
+            <a:r>
+              <a:rPr lang="en-US" sz="2400" dirty="0">
+                <a:ea typeface="+mn-lt"/>
+                <a:cs typeface="+mn-lt"/>
+              </a:rPr>
+              <a:t>van </a:t>
+            </a:r>
+            <a:r>
+              <a:rPr lang="en-US" sz="2400" dirty="0" err="1">
+                <a:ea typeface="+mn-lt"/>
+                <a:cs typeface="+mn-lt"/>
+              </a:rPr>
               <a:t>een</a:t>
             </a:r>
             <a:r>
-              <a:rPr lang="en-US" sz="2400" dirty="0"/>
+              <a:rPr lang="en-US" sz="2400" dirty="0">
+                <a:ea typeface="+mn-lt"/>
+                <a:cs typeface="+mn-lt"/>
+              </a:rPr>
               <a:t> </a:t>
             </a:r>
             <a:r>
-              <a:rPr lang="en-US" sz="2400" dirty="0" err="1"/>
+              <a:rPr lang="en-US" sz="2400" dirty="0" err="1">
+                <a:ea typeface="+mn-lt"/>
+                <a:cs typeface="+mn-lt"/>
+              </a:rPr>
               <a:t>neuraal</a:t>
             </a:r>
             <a:r>
-              <a:rPr lang="en-US" sz="2400" dirty="0"/>
+              <a:rPr lang="en-US" sz="2400" dirty="0">
+                <a:ea typeface="+mn-lt"/>
+                <a:cs typeface="+mn-lt"/>
+              </a:rPr>
               <a:t> </a:t>
             </a:r>
             <a:r>
-              <a:rPr lang="en-US" sz="2400" dirty="0" err="1"/>
+              <a:rPr lang="en-US" sz="2400" dirty="0" err="1">
+                <a:ea typeface="+mn-lt"/>
+                <a:cs typeface="+mn-lt"/>
+              </a:rPr>
               <a:t>netwerk</a:t>
             </a:r>
             <a:r>
-              <a:rPr lang="en-US" sz="2400" dirty="0"/>
+              <a:rPr lang="en-US" sz="2400" dirty="0">
+                <a:ea typeface="+mn-lt"/>
+                <a:cs typeface="+mn-lt"/>
+              </a:rPr>
               <a:t>?</a:t>
             </a:r>
-            <a:endParaRPr lang="en-US" sz="2400" dirty="0">
-              <a:ea typeface="+mn-lt"/>
-              <a:cs typeface="+mn-lt"/>
-            </a:endParaRPr>
+            <a:endParaRPr lang="en-US" dirty="0"/>
           </a:p>
           <a:p>
             <a:pPr algn="l"/>
@@ -6570,8 +6653,8 @@
         </p:nvSpPr>
         <p:spPr>
           <a:xfrm>
-            <a:off x="901933" y="4445269"/>
-            <a:ext cx="10887074" cy="1144292"/>
+            <a:off x="638164" y="4445269"/>
+            <a:ext cx="11482996" cy="1144292"/>
           </a:xfrm>
           <a:prstGeom prst="rect">
             <a:avLst/>
@@ -7019,8 +7102,8 @@
         </p:nvSpPr>
         <p:spPr>
           <a:xfrm>
-            <a:off x="1441988" y="4237818"/>
-            <a:ext cx="3095625" cy="1066800"/>
+            <a:off x="1354065" y="4237818"/>
+            <a:ext cx="3271471" cy="1066800"/>
           </a:xfrm>
           <a:prstGeom prst="rect">
             <a:avLst/>
@@ -7065,7 +7148,7 @@
         </p:nvSpPr>
         <p:spPr>
           <a:xfrm>
-            <a:off x="1353680" y="3001344"/>
+            <a:off x="1353680" y="2962267"/>
             <a:ext cx="3267075" cy="1066800"/>
           </a:xfrm>
           <a:prstGeom prst="rect">
@@ -7115,7 +7198,7 @@
         </p:nvSpPr>
         <p:spPr>
           <a:xfrm>
-            <a:off x="330610" y="1630169"/>
+            <a:off x="389224" y="1669246"/>
             <a:ext cx="5535750" cy="4464000"/>
           </a:xfrm>
         </p:spPr>
@@ -7195,63 +7278,83 @@
           </a:p>
           <a:p>
             <a:r>
+              <a:rPr lang="en-US" sz="2000" dirty="0" err="1">
+                <a:latin typeface="Arial"/>
+                <a:cs typeface="Arial"/>
+              </a:rPr>
+              <a:t>Driehoek</a:t>
+            </a:r>
+            <a:r>
               <a:rPr lang="en-US" sz="2000" dirty="0">
-                <a:highlight>
-                  <a:srgbClr val="FFFF00"/>
-                </a:highlight>
-                <a:latin typeface="Arial"/>
-                <a:cs typeface="Arial"/>
-              </a:rPr>
-              <a:t>Cirkel, … (</a:t>
+                <a:latin typeface="Arial"/>
+                <a:cs typeface="Arial"/>
+              </a:rPr>
+              <a:t>, </a:t>
             </a:r>
             <a:r>
               <a:rPr lang="en-US" sz="2000" dirty="0" err="1">
-                <a:highlight>
-                  <a:srgbClr val="FFFF00"/>
-                </a:highlight>
-                <a:latin typeface="Arial"/>
-                <a:cs typeface="Arial"/>
-              </a:rPr>
-              <a:t>Te</a:t>
+                <a:latin typeface="Arial"/>
+                <a:cs typeface="Arial"/>
+              </a:rPr>
+              <a:t>cirkel</a:t>
             </a:r>
             <a:r>
               <a:rPr lang="en-US" sz="2000" dirty="0">
-                <a:highlight>
-                  <a:srgbClr val="FFFF00"/>
-                </a:highlight>
+                <a:latin typeface="Arial"/>
+                <a:cs typeface="Arial"/>
+              </a:rPr>
+              <a:t>, </a:t>
+            </a:r>
+            <a:r>
+              <a:rPr lang="en-US" sz="2000" dirty="0" err="1">
+                <a:latin typeface="Arial"/>
+                <a:cs typeface="Arial"/>
+              </a:rPr>
+              <a:t>ster</a:t>
+            </a:r>
+          </a:p>
+          <a:p>
+            <a:r>
+              <a:rPr lang="en-US" sz="2000" dirty="0">
+                <a:latin typeface="Arial"/>
+                <a:cs typeface="Arial"/>
+              </a:rPr>
+              <a:t> </a:t>
+            </a:r>
+            <a:r>
+              <a:rPr lang="en-US" sz="2000" err="1">
+                <a:latin typeface="Arial"/>
+                <a:cs typeface="Arial"/>
+              </a:rPr>
+              <a:t>Verschillende</a:t>
+            </a:r>
+            <a:r>
+              <a:rPr lang="en-US" sz="2000" dirty="0">
                 <a:latin typeface="Arial"/>
                 <a:cs typeface="Arial"/>
               </a:rPr>
               <a:t> </a:t>
             </a:r>
             <a:r>
-              <a:rPr lang="en-US" sz="2000" dirty="0" err="1">
-                <a:highlight>
-                  <a:srgbClr val="FFFF00"/>
-                </a:highlight>
-                <a:latin typeface="Arial"/>
-                <a:cs typeface="Arial"/>
-              </a:rPr>
-              <a:t>bepalen</a:t>
+              <a:rPr lang="en-US" sz="2000" err="1">
+                <a:latin typeface="Arial"/>
+                <a:cs typeface="Arial"/>
+              </a:rPr>
+              <a:t>waarden</a:t>
             </a:r>
             <a:r>
               <a:rPr lang="en-US" sz="2000" dirty="0">
-                <a:highlight>
-                  <a:srgbClr val="FFFF00"/>
-                </a:highlight>
-                <a:latin typeface="Arial"/>
-                <a:cs typeface="Arial"/>
-              </a:rPr>
-              <a:t>)</a:t>
-            </a:r>
-          </a:p>
-          <a:p>
-            <a:r>
-              <a:rPr lang="en-US" sz="2000" dirty="0" err="1">
-                <a:latin typeface="Arial"/>
-                <a:cs typeface="Arial"/>
-              </a:rPr>
-              <a:t>Verschillende</a:t>
+                <a:latin typeface="Arial"/>
+                <a:cs typeface="Arial"/>
+              </a:rPr>
+              <a:t> </a:t>
+            </a:r>
+            <a:r>
+              <a:rPr lang="en-US" sz="2000" err="1">
+                <a:latin typeface="Arial"/>
+                <a:cs typeface="Arial"/>
+              </a:rPr>
+              <a:t>voor</a:t>
             </a:r>
             <a:r>
               <a:rPr lang="en-US" sz="2000" dirty="0">
@@ -7261,35 +7364,7 @@
               <a:t> </a:t>
             </a:r>
             <a:r>
-              <a:rPr lang="en-US" sz="2000" dirty="0" err="1">
-                <a:latin typeface="Arial"/>
-                <a:cs typeface="Arial"/>
-              </a:rPr>
-              <a:t>waarden</a:t>
-            </a:r>
-            <a:r>
-              <a:rPr lang="en-US" sz="2000" dirty="0">
-                <a:latin typeface="Arial"/>
-                <a:cs typeface="Arial"/>
-              </a:rPr>
-              <a:t> </a:t>
-            </a:r>
-            <a:r>
-              <a:rPr lang="en-US" sz="2000" dirty="0" err="1">
-                <a:latin typeface="Arial"/>
-                <a:cs typeface="Arial"/>
-              </a:rPr>
-              <a:t>voor</a:t>
-            </a:r>
-            <a:r>
-              <a:rPr lang="en-US" sz="2000" dirty="0">
-                <a:latin typeface="Arial"/>
-                <a:cs typeface="Arial"/>
-              </a:rPr>
-              <a:t> </a:t>
-            </a:r>
-            <a:r>
-              <a:rPr lang="en-US" sz="2000" dirty="0" err="1">
+              <a:rPr lang="en-US" sz="2000" err="1">
                 <a:latin typeface="Arial"/>
                 <a:cs typeface="Arial"/>
               </a:rPr>
@@ -7655,7 +7730,7 @@
         <p:spPr>
           <a:xfrm>
             <a:off x="6942380" y="1627717"/>
-            <a:ext cx="5956300" cy="6288901"/>
+            <a:ext cx="5106377" cy="4349909"/>
           </a:xfrm>
           <a:prstGeom prst="rect">
             <a:avLst/>
@@ -7732,6 +7807,9 @@
               </a:rPr>
               <a:t>perturberen</a:t>
             </a:r>
+            <a:endParaRPr lang="en-US" sz="2000">
+              <a:cs typeface="Arial"/>
+            </a:endParaRPr>
           </a:p>
           <a:p>
             <a:pPr marL="228600" indent="-228600">
@@ -7786,41 +7864,6 @@
               <a:buFont typeface="Arial"/>
               <a:buChar char="•"/>
             </a:pPr>
-            <a:endParaRPr lang="en-US" dirty="0">
-              <a:cs typeface="Arial"/>
-            </a:endParaRPr>
-          </a:p>
-          <a:p>
-            <a:endParaRPr lang="en-US" dirty="0">
-              <a:cs typeface="Arial"/>
-            </a:endParaRPr>
-          </a:p>
-          <a:p>
-            <a:endParaRPr lang="en-US" dirty="0">
-              <a:cs typeface="Arial"/>
-            </a:endParaRPr>
-          </a:p>
-          <a:p>
-            <a:endParaRPr lang="en-US" dirty="0">
-              <a:cs typeface="Arial"/>
-            </a:endParaRPr>
-          </a:p>
-          <a:p>
-            <a:endParaRPr lang="en-US" dirty="0">
-              <a:cs typeface="Arial"/>
-            </a:endParaRPr>
-          </a:p>
-          <a:p>
-            <a:endParaRPr lang="en-US" dirty="0">
-              <a:cs typeface="Arial"/>
-            </a:endParaRPr>
-          </a:p>
-          <a:p>
-            <a:endParaRPr lang="en-US" dirty="0">
-              <a:cs typeface="Arial"/>
-            </a:endParaRPr>
-          </a:p>
-          <a:p>
             <a:endParaRPr lang="en-US" dirty="0">
               <a:cs typeface="Arial"/>
             </a:endParaRPr>
@@ -8861,8 +8904,8 @@
         </p:blipFill>
         <p:spPr>
           <a:xfrm>
-            <a:off x="580371" y="3009634"/>
-            <a:ext cx="3901859" cy="3103856"/>
+            <a:off x="575609" y="3009634"/>
+            <a:ext cx="3754221" cy="3099094"/>
           </a:xfrm>
           <a:prstGeom prst="rect">
             <a:avLst/>
@@ -8892,7 +8935,7 @@
         <p:spPr>
           <a:xfrm>
             <a:off x="5622099" y="2982680"/>
-            <a:ext cx="4006241" cy="3125578"/>
+            <a:ext cx="3882416" cy="3125578"/>
           </a:xfrm>
           <a:prstGeom prst="rect">
             <a:avLst/>
@@ -8914,7 +8957,7 @@
         <p:spPr>
           <a:xfrm>
             <a:off x="1156618" y="3388193"/>
-            <a:ext cx="2791338" cy="2198601"/>
+            <a:ext cx="2686563" cy="2198601"/>
           </a:xfrm>
           <a:prstGeom prst="ellipse">
             <a:avLst/>
@@ -8968,7 +9011,7 @@
         <p:spPr>
           <a:xfrm>
             <a:off x="6263022" y="3427703"/>
-            <a:ext cx="2825204" cy="2209890"/>
+            <a:ext cx="2706142" cy="2209890"/>
           </a:xfrm>
           <a:prstGeom prst="ellipse">
             <a:avLst/>
